--- a/2025_slides/AI_for_recruitment_companies_Ja_v3.pptx
+++ b/2025_slides/AI_for_recruitment_companies_Ja_v3.pptx
@@ -140,388 +140,6 @@
 
 <file path=ppt/changesInfos/changesInfo1.xml><?xml version="1.0" encoding="utf-8"?>
 <pc:chgInfo xmlns:a="http://schemas.openxmlformats.org/drawingml/2006/main" xmlns:r="http://schemas.openxmlformats.org/officeDocument/2006/relationships" xmlns:ac="http://schemas.microsoft.com/office/drawing/2013/main/command" xmlns:pc="http://schemas.microsoft.com/office/powerpoint/2013/main/command">
-  <pc:docChgLst>
-    <pc:chgData name="Liang, Jun/梁 俊" userId="53872e13-a468-4a20-9bc0-648e2bd0e637" providerId="ADAL" clId="{3677334B-03BA-4F4E-8E78-CE3B3D8004E6}"/>
-    <pc:docChg chg="undo custSel addSld delSld modSld sldOrd">
-      <pc:chgData name="Liang, Jun/梁 俊" userId="53872e13-a468-4a20-9bc0-648e2bd0e637" providerId="ADAL" clId="{3677334B-03BA-4F4E-8E78-CE3B3D8004E6}" dt="2025-01-11T17:04:58.892" v="9506" actId="1076"/>
-      <pc:docMkLst>
-        <pc:docMk/>
-      </pc:docMkLst>
-      <pc:sldChg chg="addSp delSp modSp mod">
-        <pc:chgData name="Liang, Jun/梁 俊" userId="53872e13-a468-4a20-9bc0-648e2bd0e637" providerId="ADAL" clId="{3677334B-03BA-4F4E-8E78-CE3B3D8004E6}" dt="2025-01-10T11:12:02.986" v="3105" actId="21"/>
-        <pc:sldMkLst>
-          <pc:docMk/>
-          <pc:sldMk cId="3156693268" sldId="256"/>
-        </pc:sldMkLst>
-      </pc:sldChg>
-      <pc:sldChg chg="modSp ord">
-        <pc:chgData name="Liang, Jun/梁 俊" userId="53872e13-a468-4a20-9bc0-648e2bd0e637" providerId="ADAL" clId="{3677334B-03BA-4F4E-8E78-CE3B3D8004E6}" dt="2025-01-06T12:19:38.583" v="912"/>
-        <pc:sldMkLst>
-          <pc:docMk/>
-          <pc:sldMk cId="237995527" sldId="257"/>
-        </pc:sldMkLst>
-      </pc:sldChg>
-      <pc:sldChg chg="modSp del mod">
-        <pc:chgData name="Liang, Jun/梁 俊" userId="53872e13-a468-4a20-9bc0-648e2bd0e637" providerId="ADAL" clId="{3677334B-03BA-4F4E-8E78-CE3B3D8004E6}" dt="2025-01-06T12:11:34.091" v="884" actId="47"/>
-        <pc:sldMkLst>
-          <pc:docMk/>
-          <pc:sldMk cId="1392523530" sldId="258"/>
-        </pc:sldMkLst>
-      </pc:sldChg>
-      <pc:sldChg chg="modSp mod ord">
-        <pc:chgData name="Liang, Jun/梁 俊" userId="53872e13-a468-4a20-9bc0-648e2bd0e637" providerId="ADAL" clId="{3677334B-03BA-4F4E-8E78-CE3B3D8004E6}" dt="2025-01-06T12:19:38.583" v="912"/>
-        <pc:sldMkLst>
-          <pc:docMk/>
-          <pc:sldMk cId="3520147346" sldId="259"/>
-        </pc:sldMkLst>
-      </pc:sldChg>
-      <pc:sldChg chg="modSp ord">
-        <pc:chgData name="Liang, Jun/梁 俊" userId="53872e13-a468-4a20-9bc0-648e2bd0e637" providerId="ADAL" clId="{3677334B-03BA-4F4E-8E78-CE3B3D8004E6}" dt="2025-01-06T12:19:38.583" v="912"/>
-        <pc:sldMkLst>
-          <pc:docMk/>
-          <pc:sldMk cId="4036844314" sldId="260"/>
-        </pc:sldMkLst>
-      </pc:sldChg>
-      <pc:sldChg chg="new del">
-        <pc:chgData name="Liang, Jun/梁 俊" userId="53872e13-a468-4a20-9bc0-648e2bd0e637" providerId="ADAL" clId="{3677334B-03BA-4F4E-8E78-CE3B3D8004E6}" dt="2025-01-06T12:02:32.357" v="785" actId="47"/>
-        <pc:sldMkLst>
-          <pc:docMk/>
-          <pc:sldMk cId="1441921228" sldId="261"/>
-        </pc:sldMkLst>
-      </pc:sldChg>
-      <pc:sldChg chg="addSp delSp modSp new mod">
-        <pc:chgData name="Liang, Jun/梁 俊" userId="53872e13-a468-4a20-9bc0-648e2bd0e637" providerId="ADAL" clId="{3677334B-03BA-4F4E-8E78-CE3B3D8004E6}" dt="2025-01-06T12:20:05.399" v="913" actId="2711"/>
-        <pc:sldMkLst>
-          <pc:docMk/>
-          <pc:sldMk cId="3293125066" sldId="261"/>
-        </pc:sldMkLst>
-      </pc:sldChg>
-      <pc:sldChg chg="add del">
-        <pc:chgData name="Liang, Jun/梁 俊" userId="53872e13-a468-4a20-9bc0-648e2bd0e637" providerId="ADAL" clId="{3677334B-03BA-4F4E-8E78-CE3B3D8004E6}" dt="2025-01-06T12:05:56.835" v="827" actId="2890"/>
-        <pc:sldMkLst>
-          <pc:docMk/>
-          <pc:sldMk cId="22642919" sldId="262"/>
-        </pc:sldMkLst>
-      </pc:sldChg>
-      <pc:sldChg chg="modSp new mod">
-        <pc:chgData name="Liang, Jun/梁 俊" userId="53872e13-a468-4a20-9bc0-648e2bd0e637" providerId="ADAL" clId="{3677334B-03BA-4F4E-8E78-CE3B3D8004E6}" dt="2025-01-11T16:22:10.644" v="8687" actId="27636"/>
-        <pc:sldMkLst>
-          <pc:docMk/>
-          <pc:sldMk cId="2708986058" sldId="262"/>
-        </pc:sldMkLst>
-      </pc:sldChg>
-      <pc:sldChg chg="delSp modSp new del mod">
-        <pc:chgData name="Liang, Jun/梁 俊" userId="53872e13-a468-4a20-9bc0-648e2bd0e637" providerId="ADAL" clId="{3677334B-03BA-4F4E-8E78-CE3B3D8004E6}" dt="2025-01-06T12:18:38.672" v="908" actId="47"/>
-        <pc:sldMkLst>
-          <pc:docMk/>
-          <pc:sldMk cId="5405484" sldId="263"/>
-        </pc:sldMkLst>
-      </pc:sldChg>
-      <pc:sldChg chg="addSp delSp modSp new del mod">
-        <pc:chgData name="Liang, Jun/梁 俊" userId="53872e13-a468-4a20-9bc0-648e2bd0e637" providerId="ADAL" clId="{3677334B-03BA-4F4E-8E78-CE3B3D8004E6}" dt="2025-01-06T12:55:08.468" v="1450" actId="47"/>
-        <pc:sldMkLst>
-          <pc:docMk/>
-          <pc:sldMk cId="368723409" sldId="263"/>
-        </pc:sldMkLst>
-      </pc:sldChg>
-      <pc:sldChg chg="addSp delSp modSp add mod ord">
-        <pc:chgData name="Liang, Jun/梁 俊" userId="53872e13-a468-4a20-9bc0-648e2bd0e637" providerId="ADAL" clId="{3677334B-03BA-4F4E-8E78-CE3B3D8004E6}" dt="2025-01-11T14:08:28.171" v="6429" actId="113"/>
-        <pc:sldMkLst>
-          <pc:docMk/>
-          <pc:sldMk cId="2767354359" sldId="264"/>
-        </pc:sldMkLst>
-      </pc:sldChg>
-      <pc:sldChg chg="modSp add mod">
-        <pc:chgData name="Liang, Jun/梁 俊" userId="53872e13-a468-4a20-9bc0-648e2bd0e637" providerId="ADAL" clId="{3677334B-03BA-4F4E-8E78-CE3B3D8004E6}" dt="2025-01-11T16:43:46.999" v="9209" actId="20577"/>
-        <pc:sldMkLst>
-          <pc:docMk/>
-          <pc:sldMk cId="2611440839" sldId="265"/>
-        </pc:sldMkLst>
-      </pc:sldChg>
-      <pc:sldChg chg="addSp delSp modSp add del mod ord">
-        <pc:chgData name="Liang, Jun/梁 俊" userId="53872e13-a468-4a20-9bc0-648e2bd0e637" providerId="ADAL" clId="{3677334B-03BA-4F4E-8E78-CE3B3D8004E6}" dt="2025-01-08T14:40:35.101" v="3060" actId="47"/>
-        <pc:sldMkLst>
-          <pc:docMk/>
-          <pc:sldMk cId="2019871620" sldId="266"/>
-        </pc:sldMkLst>
-      </pc:sldChg>
-      <pc:sldChg chg="addSp modSp new del mod">
-        <pc:chgData name="Liang, Jun/梁 俊" userId="53872e13-a468-4a20-9bc0-648e2bd0e637" providerId="ADAL" clId="{3677334B-03BA-4F4E-8E78-CE3B3D8004E6}" dt="2025-01-08T14:40:41.600" v="3061" actId="47"/>
-        <pc:sldMkLst>
-          <pc:docMk/>
-          <pc:sldMk cId="2232923245" sldId="267"/>
-        </pc:sldMkLst>
-      </pc:sldChg>
-      <pc:sldChg chg="addSp modSp new del mod">
-        <pc:chgData name="Liang, Jun/梁 俊" userId="53872e13-a468-4a20-9bc0-648e2bd0e637" providerId="ADAL" clId="{3677334B-03BA-4F4E-8E78-CE3B3D8004E6}" dt="2025-01-11T14:52:10.500" v="7406" actId="47"/>
-        <pc:sldMkLst>
-          <pc:docMk/>
-          <pc:sldMk cId="1951842704" sldId="268"/>
-        </pc:sldMkLst>
-      </pc:sldChg>
-      <pc:sldChg chg="addSp modSp new del mod">
-        <pc:chgData name="Liang, Jun/梁 俊" userId="53872e13-a468-4a20-9bc0-648e2bd0e637" providerId="ADAL" clId="{3677334B-03BA-4F4E-8E78-CE3B3D8004E6}" dt="2025-01-11T14:51:43.615" v="7405" actId="47"/>
-        <pc:sldMkLst>
-          <pc:docMk/>
-          <pc:sldMk cId="1294980671" sldId="269"/>
-        </pc:sldMkLst>
-      </pc:sldChg>
-      <pc:sldChg chg="modSp new mod">
-        <pc:chgData name="Liang, Jun/梁 俊" userId="53872e13-a468-4a20-9bc0-648e2bd0e637" providerId="ADAL" clId="{3677334B-03BA-4F4E-8E78-CE3B3D8004E6}" dt="2025-01-11T14:45:13.839" v="7295" actId="2711"/>
-        <pc:sldMkLst>
-          <pc:docMk/>
-          <pc:sldMk cId="1030457105" sldId="270"/>
-        </pc:sldMkLst>
-      </pc:sldChg>
-      <pc:sldChg chg="addSp modSp new mod">
-        <pc:chgData name="Liang, Jun/梁 俊" userId="53872e13-a468-4a20-9bc0-648e2bd0e637" providerId="ADAL" clId="{3677334B-03BA-4F4E-8E78-CE3B3D8004E6}" dt="2025-01-11T14:53:51.522" v="7452" actId="20577"/>
-        <pc:sldMkLst>
-          <pc:docMk/>
-          <pc:sldMk cId="1675815054" sldId="271"/>
-        </pc:sldMkLst>
-      </pc:sldChg>
-      <pc:sldChg chg="addSp modSp new del mod">
-        <pc:chgData name="Liang, Jun/梁 俊" userId="53872e13-a468-4a20-9bc0-648e2bd0e637" providerId="ADAL" clId="{3677334B-03BA-4F4E-8E78-CE3B3D8004E6}" dt="2025-01-11T14:51:27.114" v="7404" actId="47"/>
-        <pc:sldMkLst>
-          <pc:docMk/>
-          <pc:sldMk cId="1288483696" sldId="272"/>
-        </pc:sldMkLst>
-      </pc:sldChg>
-      <pc:sldChg chg="addSp delSp modSp new del mod setBg">
-        <pc:chgData name="Liang, Jun/梁 俊" userId="53872e13-a468-4a20-9bc0-648e2bd0e637" providerId="ADAL" clId="{3677334B-03BA-4F4E-8E78-CE3B3D8004E6}" dt="2025-01-10T11:23:44.626" v="3279" actId="47"/>
-        <pc:sldMkLst>
-          <pc:docMk/>
-          <pc:sldMk cId="300104621" sldId="273"/>
-        </pc:sldMkLst>
-      </pc:sldChg>
-      <pc:sldChg chg="delSp modSp add mod">
-        <pc:chgData name="Liang, Jun/梁 俊" userId="53872e13-a468-4a20-9bc0-648e2bd0e637" providerId="ADAL" clId="{3677334B-03BA-4F4E-8E78-CE3B3D8004E6}" dt="2025-01-11T16:44:32.737" v="9216" actId="404"/>
-        <pc:sldMkLst>
-          <pc:docMk/>
-          <pc:sldMk cId="3828524052" sldId="281"/>
-        </pc:sldMkLst>
-      </pc:sldChg>
-      <pc:sldChg chg="addSp delSp modSp add mod">
-        <pc:chgData name="Liang, Jun/梁 俊" userId="53872e13-a468-4a20-9bc0-648e2bd0e637" providerId="ADAL" clId="{3677334B-03BA-4F4E-8E78-CE3B3D8004E6}" dt="2025-01-11T11:26:11.592" v="4654" actId="1076"/>
-        <pc:sldMkLst>
-          <pc:docMk/>
-          <pc:sldMk cId="0" sldId="487"/>
-        </pc:sldMkLst>
-      </pc:sldChg>
-      <pc:sldChg chg="addSp modSp new del mod">
-        <pc:chgData name="Liang, Jun/梁 俊" userId="53872e13-a468-4a20-9bc0-648e2bd0e637" providerId="ADAL" clId="{3677334B-03BA-4F4E-8E78-CE3B3D8004E6}" dt="2025-01-10T12:00:57.977" v="3848" actId="47"/>
-        <pc:sldMkLst>
-          <pc:docMk/>
-          <pc:sldMk cId="2568697300" sldId="488"/>
-        </pc:sldMkLst>
-      </pc:sldChg>
-      <pc:sldChg chg="addSp delSp modSp new del mod">
-        <pc:chgData name="Liang, Jun/梁 俊" userId="53872e13-a468-4a20-9bc0-648e2bd0e637" providerId="ADAL" clId="{3677334B-03BA-4F4E-8E78-CE3B3D8004E6}" dt="2025-01-10T11:56:26.389" v="3772" actId="47"/>
-        <pc:sldMkLst>
-          <pc:docMk/>
-          <pc:sldMk cId="3039126021" sldId="488"/>
-        </pc:sldMkLst>
-      </pc:sldChg>
-      <pc:sldChg chg="addSp delSp modSp new mod">
-        <pc:chgData name="Liang, Jun/梁 俊" userId="53872e13-a468-4a20-9bc0-648e2bd0e637" providerId="ADAL" clId="{3677334B-03BA-4F4E-8E78-CE3B3D8004E6}" dt="2025-01-10T12:43:02.629" v="4192" actId="14100"/>
-        <pc:sldMkLst>
-          <pc:docMk/>
-          <pc:sldMk cId="4215499049" sldId="488"/>
-        </pc:sldMkLst>
-      </pc:sldChg>
-      <pc:sldChg chg="addSp modSp new mod">
-        <pc:chgData name="Liang, Jun/梁 俊" userId="53872e13-a468-4a20-9bc0-648e2bd0e637" providerId="ADAL" clId="{3677334B-03BA-4F4E-8E78-CE3B3D8004E6}" dt="2025-01-10T13:01:52.224" v="4295" actId="20577"/>
-        <pc:sldMkLst>
-          <pc:docMk/>
-          <pc:sldMk cId="3608785772" sldId="489"/>
-        </pc:sldMkLst>
-      </pc:sldChg>
-      <pc:sldChg chg="modSp new del mod">
-        <pc:chgData name="Liang, Jun/梁 俊" userId="53872e13-a468-4a20-9bc0-648e2bd0e637" providerId="ADAL" clId="{3677334B-03BA-4F4E-8E78-CE3B3D8004E6}" dt="2025-01-11T14:46:47.228" v="7318" actId="47"/>
-        <pc:sldMkLst>
-          <pc:docMk/>
-          <pc:sldMk cId="2509479889" sldId="490"/>
-        </pc:sldMkLst>
-      </pc:sldChg>
-      <pc:sldChg chg="modSp new mod">
-        <pc:chgData name="Liang, Jun/梁 俊" userId="53872e13-a468-4a20-9bc0-648e2bd0e637" providerId="ADAL" clId="{3677334B-03BA-4F4E-8E78-CE3B3D8004E6}" dt="2025-01-11T11:24:59.808" v="4649" actId="20577"/>
-        <pc:sldMkLst>
-          <pc:docMk/>
-          <pc:sldMk cId="532660423" sldId="491"/>
-        </pc:sldMkLst>
-      </pc:sldChg>
-      <pc:sldChg chg="addSp delSp modSp new mod ord">
-        <pc:chgData name="Liang, Jun/梁 俊" userId="53872e13-a468-4a20-9bc0-648e2bd0e637" providerId="ADAL" clId="{3677334B-03BA-4F4E-8E78-CE3B3D8004E6}" dt="2025-01-11T14:44:39.809" v="7288" actId="14100"/>
-        <pc:sldMkLst>
-          <pc:docMk/>
-          <pc:sldMk cId="3842738742" sldId="492"/>
-        </pc:sldMkLst>
-      </pc:sldChg>
-      <pc:sldChg chg="addSp modSp new del mod">
-        <pc:chgData name="Liang, Jun/梁 俊" userId="53872e13-a468-4a20-9bc0-648e2bd0e637" providerId="ADAL" clId="{3677334B-03BA-4F4E-8E78-CE3B3D8004E6}" dt="2025-01-11T14:17:04.623" v="6556" actId="47"/>
-        <pc:sldMkLst>
-          <pc:docMk/>
-          <pc:sldMk cId="1247585196" sldId="493"/>
-        </pc:sldMkLst>
-      </pc:sldChg>
-      <pc:sldChg chg="addSp modSp new mod">
-        <pc:chgData name="Liang, Jun/梁 俊" userId="53872e13-a468-4a20-9bc0-648e2bd0e637" providerId="ADAL" clId="{3677334B-03BA-4F4E-8E78-CE3B3D8004E6}" dt="2025-01-11T14:47:09.899" v="7320" actId="20577"/>
-        <pc:sldMkLst>
-          <pc:docMk/>
-          <pc:sldMk cId="4203511666" sldId="493"/>
-        </pc:sldMkLst>
-      </pc:sldChg>
-      <pc:sldChg chg="addSp delSp modSp new mod">
-        <pc:chgData name="Liang, Jun/梁 俊" userId="53872e13-a468-4a20-9bc0-648e2bd0e637" providerId="ADAL" clId="{3677334B-03BA-4F4E-8E78-CE3B3D8004E6}" dt="2025-01-11T15:33:20.642" v="7919" actId="14100"/>
-        <pc:sldMkLst>
-          <pc:docMk/>
-          <pc:sldMk cId="1412716372" sldId="494"/>
-        </pc:sldMkLst>
-      </pc:sldChg>
-      <pc:sldChg chg="addSp delSp modSp new mod">
-        <pc:chgData name="Liang, Jun/梁 俊" userId="53872e13-a468-4a20-9bc0-648e2bd0e637" providerId="ADAL" clId="{3677334B-03BA-4F4E-8E78-CE3B3D8004E6}" dt="2025-01-11T16:10:00.809" v="8288" actId="1076"/>
-        <pc:sldMkLst>
-          <pc:docMk/>
-          <pc:sldMk cId="1621136055" sldId="495"/>
-        </pc:sldMkLst>
-      </pc:sldChg>
-      <pc:sldChg chg="addSp delSp modSp new mod">
-        <pc:chgData name="Liang, Jun/梁 俊" userId="53872e13-a468-4a20-9bc0-648e2bd0e637" providerId="ADAL" clId="{3677334B-03BA-4F4E-8E78-CE3B3D8004E6}" dt="2025-01-11T15:50:48.555" v="8139" actId="20577"/>
-        <pc:sldMkLst>
-          <pc:docMk/>
-          <pc:sldMk cId="2272676056" sldId="496"/>
-        </pc:sldMkLst>
-      </pc:sldChg>
-      <pc:sldChg chg="modSp new mod">
-        <pc:chgData name="Liang, Jun/梁 俊" userId="53872e13-a468-4a20-9bc0-648e2bd0e637" providerId="ADAL" clId="{3677334B-03BA-4F4E-8E78-CE3B3D8004E6}" dt="2025-01-11T16:16:50.594" v="8664" actId="20577"/>
-        <pc:sldMkLst>
-          <pc:docMk/>
-          <pc:sldMk cId="2003425408" sldId="497"/>
-        </pc:sldMkLst>
-      </pc:sldChg>
-      <pc:sldChg chg="addSp modSp new mod">
-        <pc:chgData name="Liang, Jun/梁 俊" userId="53872e13-a468-4a20-9bc0-648e2bd0e637" providerId="ADAL" clId="{3677334B-03BA-4F4E-8E78-CE3B3D8004E6}" dt="2025-01-11T16:40:53.765" v="9082" actId="404"/>
-        <pc:sldMkLst>
-          <pc:docMk/>
-          <pc:sldMk cId="227178984" sldId="498"/>
-        </pc:sldMkLst>
-      </pc:sldChg>
-      <pc:sldChg chg="addSp modSp add mod">
-        <pc:chgData name="Liang, Jun/梁 俊" userId="53872e13-a468-4a20-9bc0-648e2bd0e637" providerId="ADAL" clId="{3677334B-03BA-4F4E-8E78-CE3B3D8004E6}" dt="2025-01-11T16:56:17.261" v="9349" actId="1076"/>
-        <pc:sldMkLst>
-          <pc:docMk/>
-          <pc:sldMk cId="3526027575" sldId="499"/>
-        </pc:sldMkLst>
-      </pc:sldChg>
-      <pc:sldChg chg="modSp new mod">
-        <pc:chgData name="Liang, Jun/梁 俊" userId="53872e13-a468-4a20-9bc0-648e2bd0e637" providerId="ADAL" clId="{3677334B-03BA-4F4E-8E78-CE3B3D8004E6}" dt="2025-01-11T17:04:58.892" v="9506" actId="1076"/>
-        <pc:sldMkLst>
-          <pc:docMk/>
-          <pc:sldMk cId="975441694" sldId="500"/>
-        </pc:sldMkLst>
-      </pc:sldChg>
-      <pc:sldChg chg="modSp add mod ord">
-        <pc:chgData name="Liang, Jun/梁 俊" userId="53872e13-a468-4a20-9bc0-648e2bd0e637" providerId="ADAL" clId="{3677334B-03BA-4F4E-8E78-CE3B3D8004E6}" dt="2025-01-11T17:03:31.978" v="9454" actId="1076"/>
-        <pc:sldMkLst>
-          <pc:docMk/>
-          <pc:sldMk cId="1409594501" sldId="2147473021"/>
-        </pc:sldMkLst>
-      </pc:sldChg>
-      <pc:sldChg chg="modSp add mod">
-        <pc:chgData name="Liang, Jun/梁 俊" userId="53872e13-a468-4a20-9bc0-648e2bd0e637" providerId="ADAL" clId="{3677334B-03BA-4F4E-8E78-CE3B3D8004E6}" dt="2025-01-11T16:52:32.215" v="9309" actId="113"/>
-        <pc:sldMkLst>
-          <pc:docMk/>
-          <pc:sldMk cId="1914353597" sldId="2147473029"/>
-        </pc:sldMkLst>
-      </pc:sldChg>
-      <pc:sldChg chg="modSp add mod">
-        <pc:chgData name="Liang, Jun/梁 俊" userId="53872e13-a468-4a20-9bc0-648e2bd0e637" providerId="ADAL" clId="{3677334B-03BA-4F4E-8E78-CE3B3D8004E6}" dt="2025-01-11T16:57:00.316" v="9365" actId="1076"/>
-        <pc:sldMkLst>
-          <pc:docMk/>
-          <pc:sldMk cId="2836905399" sldId="2147473036"/>
-        </pc:sldMkLst>
-      </pc:sldChg>
-      <pc:sldChg chg="modSp add mod">
-        <pc:chgData name="Liang, Jun/梁 俊" userId="53872e13-a468-4a20-9bc0-648e2bd0e637" providerId="ADAL" clId="{3677334B-03BA-4F4E-8E78-CE3B3D8004E6}" dt="2025-01-11T16:56:30.555" v="9351" actId="113"/>
-        <pc:sldMkLst>
-          <pc:docMk/>
-          <pc:sldMk cId="1485945197" sldId="2147473060"/>
-        </pc:sldMkLst>
-      </pc:sldChg>
-      <pc:sldChg chg="delSp modSp add mod">
-        <pc:chgData name="Liang, Jun/梁 俊" userId="53872e13-a468-4a20-9bc0-648e2bd0e637" providerId="ADAL" clId="{3677334B-03BA-4F4E-8E78-CE3B3D8004E6}" dt="2025-01-11T16:50:52.208" v="9302" actId="478"/>
-        <pc:sldMkLst>
-          <pc:docMk/>
-          <pc:sldMk cId="2808248770" sldId="2147473094"/>
-        </pc:sldMkLst>
-      </pc:sldChg>
-      <pc:sldChg chg="modSp add del mod">
-        <pc:chgData name="Liang, Jun/梁 俊" userId="53872e13-a468-4a20-9bc0-648e2bd0e637" providerId="ADAL" clId="{3677334B-03BA-4F4E-8E78-CE3B3D8004E6}" dt="2025-01-11T16:46:48.352" v="9234" actId="1076"/>
-        <pc:sldMkLst>
-          <pc:docMk/>
-          <pc:sldMk cId="1450222597" sldId="2147473122"/>
-        </pc:sldMkLst>
-      </pc:sldChg>
-      <pc:sldChg chg="add">
-        <pc:chgData name="Liang, Jun/梁 俊" userId="53872e13-a468-4a20-9bc0-648e2bd0e637" providerId="ADAL" clId="{3677334B-03BA-4F4E-8E78-CE3B3D8004E6}" dt="2025-01-11T16:52:09.592" v="9306"/>
-        <pc:sldMkLst>
-          <pc:docMk/>
-          <pc:sldMk cId="3538857294" sldId="2147473146"/>
-        </pc:sldMkLst>
-      </pc:sldChg>
-      <pc:sldChg chg="addSp delSp modSp new mod">
-        <pc:chgData name="Liang, Jun/梁 俊" userId="53872e13-a468-4a20-9bc0-648e2bd0e637" providerId="ADAL" clId="{3677334B-03BA-4F4E-8E78-CE3B3D8004E6}" dt="2025-01-11T17:04:35.253" v="9492" actId="404"/>
-        <pc:sldMkLst>
-          <pc:docMk/>
-          <pc:sldMk cId="122242253" sldId="2147473147"/>
-        </pc:sldMkLst>
-      </pc:sldChg>
-    </pc:docChg>
-  </pc:docChgLst>
-  <pc:docChgLst>
-    <pc:chgData name="Liang, Jun/梁 俊" userId="53872e13-a468-4a20-9bc0-648e2bd0e637" providerId="ADAL" clId="{8069CFF1-8E7B-4F31-9AC1-44EC19790E2A}"/>
-    <pc:docChg chg="undo custSel addSld modSld">
-      <pc:chgData name="Liang, Jun/梁 俊" userId="53872e13-a468-4a20-9bc0-648e2bd0e637" providerId="ADAL" clId="{8069CFF1-8E7B-4F31-9AC1-44EC19790E2A}" dt="2024-11-08T07:00:27.735" v="160"/>
-      <pc:docMkLst>
-        <pc:docMk/>
-      </pc:docMkLst>
-      <pc:sldChg chg="new">
-        <pc:chgData name="Liang, Jun/梁 俊" userId="53872e13-a468-4a20-9bc0-648e2bd0e637" providerId="ADAL" clId="{8069CFF1-8E7B-4F31-9AC1-44EC19790E2A}" dt="2024-11-08T06:36:43.769" v="0" actId="680"/>
-        <pc:sldMkLst>
-          <pc:docMk/>
-          <pc:sldMk cId="3156693268" sldId="256"/>
-        </pc:sldMkLst>
-      </pc:sldChg>
-      <pc:sldChg chg="modSp new mod">
-        <pc:chgData name="Liang, Jun/梁 俊" userId="53872e13-a468-4a20-9bc0-648e2bd0e637" providerId="ADAL" clId="{8069CFF1-8E7B-4F31-9AC1-44EC19790E2A}" dt="2024-11-08T06:44:30.443" v="101"/>
-        <pc:sldMkLst>
-          <pc:docMk/>
-          <pc:sldMk cId="237995527" sldId="257"/>
-        </pc:sldMkLst>
-      </pc:sldChg>
-      <pc:sldChg chg="modSp new mod">
-        <pc:chgData name="Liang, Jun/梁 俊" userId="53872e13-a468-4a20-9bc0-648e2bd0e637" providerId="ADAL" clId="{8069CFF1-8E7B-4F31-9AC1-44EC19790E2A}" dt="2024-11-08T06:37:00.059" v="9" actId="20577"/>
-        <pc:sldMkLst>
-          <pc:docMk/>
-          <pc:sldMk cId="1392523530" sldId="258"/>
-        </pc:sldMkLst>
-      </pc:sldChg>
-      <pc:sldChg chg="modSp new mod">
-        <pc:chgData name="Liang, Jun/梁 俊" userId="53872e13-a468-4a20-9bc0-648e2bd0e637" providerId="ADAL" clId="{8069CFF1-8E7B-4F31-9AC1-44EC19790E2A}" dt="2024-11-08T06:47:35.382" v="138"/>
-        <pc:sldMkLst>
-          <pc:docMk/>
-          <pc:sldMk cId="3520147346" sldId="259"/>
-        </pc:sldMkLst>
-      </pc:sldChg>
-      <pc:sldChg chg="modSp new mod">
-        <pc:chgData name="Liang, Jun/梁 俊" userId="53872e13-a468-4a20-9bc0-648e2bd0e637" providerId="ADAL" clId="{8069CFF1-8E7B-4F31-9AC1-44EC19790E2A}" dt="2024-11-08T07:00:27.735" v="160"/>
-        <pc:sldMkLst>
-          <pc:docMk/>
-          <pc:sldMk cId="4036844314" sldId="260"/>
-        </pc:sldMkLst>
-      </pc:sldChg>
-    </pc:docChg>
-  </pc:docChgLst>
   <pc:docChgLst>
     <pc:chgData name="Liang, Jun/梁 俊" userId="53872e13-a468-4a20-9bc0-648e2bd0e637" providerId="ADAL" clId="{DA46F589-692D-4F1D-BAE3-197E897DA0F1}"/>
     <pc:docChg chg="undo custSel addSld delSld modSld sldOrd">
@@ -1370,6 +988,388 @@
       </pc:sldChg>
     </pc:docChg>
   </pc:docChgLst>
+  <pc:docChgLst>
+    <pc:chgData name="Liang, Jun/梁 俊" userId="53872e13-a468-4a20-9bc0-648e2bd0e637" providerId="ADAL" clId="{3677334B-03BA-4F4E-8E78-CE3B3D8004E6}"/>
+    <pc:docChg chg="undo custSel addSld delSld modSld sldOrd">
+      <pc:chgData name="Liang, Jun/梁 俊" userId="53872e13-a468-4a20-9bc0-648e2bd0e637" providerId="ADAL" clId="{3677334B-03BA-4F4E-8E78-CE3B3D8004E6}" dt="2025-01-11T17:04:58.892" v="9506" actId="1076"/>
+      <pc:docMkLst>
+        <pc:docMk/>
+      </pc:docMkLst>
+      <pc:sldChg chg="addSp delSp modSp mod">
+        <pc:chgData name="Liang, Jun/梁 俊" userId="53872e13-a468-4a20-9bc0-648e2bd0e637" providerId="ADAL" clId="{3677334B-03BA-4F4E-8E78-CE3B3D8004E6}" dt="2025-01-10T11:12:02.986" v="3105" actId="21"/>
+        <pc:sldMkLst>
+          <pc:docMk/>
+          <pc:sldMk cId="3156693268" sldId="256"/>
+        </pc:sldMkLst>
+      </pc:sldChg>
+      <pc:sldChg chg="modSp ord">
+        <pc:chgData name="Liang, Jun/梁 俊" userId="53872e13-a468-4a20-9bc0-648e2bd0e637" providerId="ADAL" clId="{3677334B-03BA-4F4E-8E78-CE3B3D8004E6}" dt="2025-01-06T12:19:38.583" v="912"/>
+        <pc:sldMkLst>
+          <pc:docMk/>
+          <pc:sldMk cId="237995527" sldId="257"/>
+        </pc:sldMkLst>
+      </pc:sldChg>
+      <pc:sldChg chg="modSp del mod">
+        <pc:chgData name="Liang, Jun/梁 俊" userId="53872e13-a468-4a20-9bc0-648e2bd0e637" providerId="ADAL" clId="{3677334B-03BA-4F4E-8E78-CE3B3D8004E6}" dt="2025-01-06T12:11:34.091" v="884" actId="47"/>
+        <pc:sldMkLst>
+          <pc:docMk/>
+          <pc:sldMk cId="1392523530" sldId="258"/>
+        </pc:sldMkLst>
+      </pc:sldChg>
+      <pc:sldChg chg="modSp mod ord">
+        <pc:chgData name="Liang, Jun/梁 俊" userId="53872e13-a468-4a20-9bc0-648e2bd0e637" providerId="ADAL" clId="{3677334B-03BA-4F4E-8E78-CE3B3D8004E6}" dt="2025-01-06T12:19:38.583" v="912"/>
+        <pc:sldMkLst>
+          <pc:docMk/>
+          <pc:sldMk cId="3520147346" sldId="259"/>
+        </pc:sldMkLst>
+      </pc:sldChg>
+      <pc:sldChg chg="modSp ord">
+        <pc:chgData name="Liang, Jun/梁 俊" userId="53872e13-a468-4a20-9bc0-648e2bd0e637" providerId="ADAL" clId="{3677334B-03BA-4F4E-8E78-CE3B3D8004E6}" dt="2025-01-06T12:19:38.583" v="912"/>
+        <pc:sldMkLst>
+          <pc:docMk/>
+          <pc:sldMk cId="4036844314" sldId="260"/>
+        </pc:sldMkLst>
+      </pc:sldChg>
+      <pc:sldChg chg="new del">
+        <pc:chgData name="Liang, Jun/梁 俊" userId="53872e13-a468-4a20-9bc0-648e2bd0e637" providerId="ADAL" clId="{3677334B-03BA-4F4E-8E78-CE3B3D8004E6}" dt="2025-01-06T12:02:32.357" v="785" actId="47"/>
+        <pc:sldMkLst>
+          <pc:docMk/>
+          <pc:sldMk cId="1441921228" sldId="261"/>
+        </pc:sldMkLst>
+      </pc:sldChg>
+      <pc:sldChg chg="addSp delSp modSp new mod">
+        <pc:chgData name="Liang, Jun/梁 俊" userId="53872e13-a468-4a20-9bc0-648e2bd0e637" providerId="ADAL" clId="{3677334B-03BA-4F4E-8E78-CE3B3D8004E6}" dt="2025-01-06T12:20:05.399" v="913" actId="2711"/>
+        <pc:sldMkLst>
+          <pc:docMk/>
+          <pc:sldMk cId="3293125066" sldId="261"/>
+        </pc:sldMkLst>
+      </pc:sldChg>
+      <pc:sldChg chg="add del">
+        <pc:chgData name="Liang, Jun/梁 俊" userId="53872e13-a468-4a20-9bc0-648e2bd0e637" providerId="ADAL" clId="{3677334B-03BA-4F4E-8E78-CE3B3D8004E6}" dt="2025-01-06T12:05:56.835" v="827" actId="2890"/>
+        <pc:sldMkLst>
+          <pc:docMk/>
+          <pc:sldMk cId="22642919" sldId="262"/>
+        </pc:sldMkLst>
+      </pc:sldChg>
+      <pc:sldChg chg="modSp new mod">
+        <pc:chgData name="Liang, Jun/梁 俊" userId="53872e13-a468-4a20-9bc0-648e2bd0e637" providerId="ADAL" clId="{3677334B-03BA-4F4E-8E78-CE3B3D8004E6}" dt="2025-01-11T16:22:10.644" v="8687" actId="27636"/>
+        <pc:sldMkLst>
+          <pc:docMk/>
+          <pc:sldMk cId="2708986058" sldId="262"/>
+        </pc:sldMkLst>
+      </pc:sldChg>
+      <pc:sldChg chg="delSp modSp new del mod">
+        <pc:chgData name="Liang, Jun/梁 俊" userId="53872e13-a468-4a20-9bc0-648e2bd0e637" providerId="ADAL" clId="{3677334B-03BA-4F4E-8E78-CE3B3D8004E6}" dt="2025-01-06T12:18:38.672" v="908" actId="47"/>
+        <pc:sldMkLst>
+          <pc:docMk/>
+          <pc:sldMk cId="5405484" sldId="263"/>
+        </pc:sldMkLst>
+      </pc:sldChg>
+      <pc:sldChg chg="addSp delSp modSp new del mod">
+        <pc:chgData name="Liang, Jun/梁 俊" userId="53872e13-a468-4a20-9bc0-648e2bd0e637" providerId="ADAL" clId="{3677334B-03BA-4F4E-8E78-CE3B3D8004E6}" dt="2025-01-06T12:55:08.468" v="1450" actId="47"/>
+        <pc:sldMkLst>
+          <pc:docMk/>
+          <pc:sldMk cId="368723409" sldId="263"/>
+        </pc:sldMkLst>
+      </pc:sldChg>
+      <pc:sldChg chg="addSp delSp modSp add mod ord">
+        <pc:chgData name="Liang, Jun/梁 俊" userId="53872e13-a468-4a20-9bc0-648e2bd0e637" providerId="ADAL" clId="{3677334B-03BA-4F4E-8E78-CE3B3D8004E6}" dt="2025-01-11T14:08:28.171" v="6429" actId="113"/>
+        <pc:sldMkLst>
+          <pc:docMk/>
+          <pc:sldMk cId="2767354359" sldId="264"/>
+        </pc:sldMkLst>
+      </pc:sldChg>
+      <pc:sldChg chg="modSp add mod">
+        <pc:chgData name="Liang, Jun/梁 俊" userId="53872e13-a468-4a20-9bc0-648e2bd0e637" providerId="ADAL" clId="{3677334B-03BA-4F4E-8E78-CE3B3D8004E6}" dt="2025-01-11T16:43:46.999" v="9209" actId="20577"/>
+        <pc:sldMkLst>
+          <pc:docMk/>
+          <pc:sldMk cId="2611440839" sldId="265"/>
+        </pc:sldMkLst>
+      </pc:sldChg>
+      <pc:sldChg chg="addSp delSp modSp add del mod ord">
+        <pc:chgData name="Liang, Jun/梁 俊" userId="53872e13-a468-4a20-9bc0-648e2bd0e637" providerId="ADAL" clId="{3677334B-03BA-4F4E-8E78-CE3B3D8004E6}" dt="2025-01-08T14:40:35.101" v="3060" actId="47"/>
+        <pc:sldMkLst>
+          <pc:docMk/>
+          <pc:sldMk cId="2019871620" sldId="266"/>
+        </pc:sldMkLst>
+      </pc:sldChg>
+      <pc:sldChg chg="addSp modSp new del mod">
+        <pc:chgData name="Liang, Jun/梁 俊" userId="53872e13-a468-4a20-9bc0-648e2bd0e637" providerId="ADAL" clId="{3677334B-03BA-4F4E-8E78-CE3B3D8004E6}" dt="2025-01-08T14:40:41.600" v="3061" actId="47"/>
+        <pc:sldMkLst>
+          <pc:docMk/>
+          <pc:sldMk cId="2232923245" sldId="267"/>
+        </pc:sldMkLst>
+      </pc:sldChg>
+      <pc:sldChg chg="addSp modSp new del mod">
+        <pc:chgData name="Liang, Jun/梁 俊" userId="53872e13-a468-4a20-9bc0-648e2bd0e637" providerId="ADAL" clId="{3677334B-03BA-4F4E-8E78-CE3B3D8004E6}" dt="2025-01-11T14:52:10.500" v="7406" actId="47"/>
+        <pc:sldMkLst>
+          <pc:docMk/>
+          <pc:sldMk cId="1951842704" sldId="268"/>
+        </pc:sldMkLst>
+      </pc:sldChg>
+      <pc:sldChg chg="addSp modSp new del mod">
+        <pc:chgData name="Liang, Jun/梁 俊" userId="53872e13-a468-4a20-9bc0-648e2bd0e637" providerId="ADAL" clId="{3677334B-03BA-4F4E-8E78-CE3B3D8004E6}" dt="2025-01-11T14:51:43.615" v="7405" actId="47"/>
+        <pc:sldMkLst>
+          <pc:docMk/>
+          <pc:sldMk cId="1294980671" sldId="269"/>
+        </pc:sldMkLst>
+      </pc:sldChg>
+      <pc:sldChg chg="modSp new mod">
+        <pc:chgData name="Liang, Jun/梁 俊" userId="53872e13-a468-4a20-9bc0-648e2bd0e637" providerId="ADAL" clId="{3677334B-03BA-4F4E-8E78-CE3B3D8004E6}" dt="2025-01-11T14:45:13.839" v="7295" actId="2711"/>
+        <pc:sldMkLst>
+          <pc:docMk/>
+          <pc:sldMk cId="1030457105" sldId="270"/>
+        </pc:sldMkLst>
+      </pc:sldChg>
+      <pc:sldChg chg="addSp modSp new mod">
+        <pc:chgData name="Liang, Jun/梁 俊" userId="53872e13-a468-4a20-9bc0-648e2bd0e637" providerId="ADAL" clId="{3677334B-03BA-4F4E-8E78-CE3B3D8004E6}" dt="2025-01-11T14:53:51.522" v="7452" actId="20577"/>
+        <pc:sldMkLst>
+          <pc:docMk/>
+          <pc:sldMk cId="1675815054" sldId="271"/>
+        </pc:sldMkLst>
+      </pc:sldChg>
+      <pc:sldChg chg="addSp modSp new del mod">
+        <pc:chgData name="Liang, Jun/梁 俊" userId="53872e13-a468-4a20-9bc0-648e2bd0e637" providerId="ADAL" clId="{3677334B-03BA-4F4E-8E78-CE3B3D8004E6}" dt="2025-01-11T14:51:27.114" v="7404" actId="47"/>
+        <pc:sldMkLst>
+          <pc:docMk/>
+          <pc:sldMk cId="1288483696" sldId="272"/>
+        </pc:sldMkLst>
+      </pc:sldChg>
+      <pc:sldChg chg="addSp delSp modSp new del mod setBg">
+        <pc:chgData name="Liang, Jun/梁 俊" userId="53872e13-a468-4a20-9bc0-648e2bd0e637" providerId="ADAL" clId="{3677334B-03BA-4F4E-8E78-CE3B3D8004E6}" dt="2025-01-10T11:23:44.626" v="3279" actId="47"/>
+        <pc:sldMkLst>
+          <pc:docMk/>
+          <pc:sldMk cId="300104621" sldId="273"/>
+        </pc:sldMkLst>
+      </pc:sldChg>
+      <pc:sldChg chg="delSp modSp add mod">
+        <pc:chgData name="Liang, Jun/梁 俊" userId="53872e13-a468-4a20-9bc0-648e2bd0e637" providerId="ADAL" clId="{3677334B-03BA-4F4E-8E78-CE3B3D8004E6}" dt="2025-01-11T16:44:32.737" v="9216" actId="404"/>
+        <pc:sldMkLst>
+          <pc:docMk/>
+          <pc:sldMk cId="3828524052" sldId="281"/>
+        </pc:sldMkLst>
+      </pc:sldChg>
+      <pc:sldChg chg="addSp delSp modSp add mod">
+        <pc:chgData name="Liang, Jun/梁 俊" userId="53872e13-a468-4a20-9bc0-648e2bd0e637" providerId="ADAL" clId="{3677334B-03BA-4F4E-8E78-CE3B3D8004E6}" dt="2025-01-11T11:26:11.592" v="4654" actId="1076"/>
+        <pc:sldMkLst>
+          <pc:docMk/>
+          <pc:sldMk cId="0" sldId="487"/>
+        </pc:sldMkLst>
+      </pc:sldChg>
+      <pc:sldChg chg="addSp modSp new del mod">
+        <pc:chgData name="Liang, Jun/梁 俊" userId="53872e13-a468-4a20-9bc0-648e2bd0e637" providerId="ADAL" clId="{3677334B-03BA-4F4E-8E78-CE3B3D8004E6}" dt="2025-01-10T12:00:57.977" v="3848" actId="47"/>
+        <pc:sldMkLst>
+          <pc:docMk/>
+          <pc:sldMk cId="2568697300" sldId="488"/>
+        </pc:sldMkLst>
+      </pc:sldChg>
+      <pc:sldChg chg="addSp delSp modSp new del mod">
+        <pc:chgData name="Liang, Jun/梁 俊" userId="53872e13-a468-4a20-9bc0-648e2bd0e637" providerId="ADAL" clId="{3677334B-03BA-4F4E-8E78-CE3B3D8004E6}" dt="2025-01-10T11:56:26.389" v="3772" actId="47"/>
+        <pc:sldMkLst>
+          <pc:docMk/>
+          <pc:sldMk cId="3039126021" sldId="488"/>
+        </pc:sldMkLst>
+      </pc:sldChg>
+      <pc:sldChg chg="addSp delSp modSp new mod">
+        <pc:chgData name="Liang, Jun/梁 俊" userId="53872e13-a468-4a20-9bc0-648e2bd0e637" providerId="ADAL" clId="{3677334B-03BA-4F4E-8E78-CE3B3D8004E6}" dt="2025-01-10T12:43:02.629" v="4192" actId="14100"/>
+        <pc:sldMkLst>
+          <pc:docMk/>
+          <pc:sldMk cId="4215499049" sldId="488"/>
+        </pc:sldMkLst>
+      </pc:sldChg>
+      <pc:sldChg chg="addSp modSp new mod">
+        <pc:chgData name="Liang, Jun/梁 俊" userId="53872e13-a468-4a20-9bc0-648e2bd0e637" providerId="ADAL" clId="{3677334B-03BA-4F4E-8E78-CE3B3D8004E6}" dt="2025-01-10T13:01:52.224" v="4295" actId="20577"/>
+        <pc:sldMkLst>
+          <pc:docMk/>
+          <pc:sldMk cId="3608785772" sldId="489"/>
+        </pc:sldMkLst>
+      </pc:sldChg>
+      <pc:sldChg chg="modSp new del mod">
+        <pc:chgData name="Liang, Jun/梁 俊" userId="53872e13-a468-4a20-9bc0-648e2bd0e637" providerId="ADAL" clId="{3677334B-03BA-4F4E-8E78-CE3B3D8004E6}" dt="2025-01-11T14:46:47.228" v="7318" actId="47"/>
+        <pc:sldMkLst>
+          <pc:docMk/>
+          <pc:sldMk cId="2509479889" sldId="490"/>
+        </pc:sldMkLst>
+      </pc:sldChg>
+      <pc:sldChg chg="modSp new mod">
+        <pc:chgData name="Liang, Jun/梁 俊" userId="53872e13-a468-4a20-9bc0-648e2bd0e637" providerId="ADAL" clId="{3677334B-03BA-4F4E-8E78-CE3B3D8004E6}" dt="2025-01-11T11:24:59.808" v="4649" actId="20577"/>
+        <pc:sldMkLst>
+          <pc:docMk/>
+          <pc:sldMk cId="532660423" sldId="491"/>
+        </pc:sldMkLst>
+      </pc:sldChg>
+      <pc:sldChg chg="addSp delSp modSp new mod ord">
+        <pc:chgData name="Liang, Jun/梁 俊" userId="53872e13-a468-4a20-9bc0-648e2bd0e637" providerId="ADAL" clId="{3677334B-03BA-4F4E-8E78-CE3B3D8004E6}" dt="2025-01-11T14:44:39.809" v="7288" actId="14100"/>
+        <pc:sldMkLst>
+          <pc:docMk/>
+          <pc:sldMk cId="3842738742" sldId="492"/>
+        </pc:sldMkLst>
+      </pc:sldChg>
+      <pc:sldChg chg="addSp modSp new del mod">
+        <pc:chgData name="Liang, Jun/梁 俊" userId="53872e13-a468-4a20-9bc0-648e2bd0e637" providerId="ADAL" clId="{3677334B-03BA-4F4E-8E78-CE3B3D8004E6}" dt="2025-01-11T14:17:04.623" v="6556" actId="47"/>
+        <pc:sldMkLst>
+          <pc:docMk/>
+          <pc:sldMk cId="1247585196" sldId="493"/>
+        </pc:sldMkLst>
+      </pc:sldChg>
+      <pc:sldChg chg="addSp modSp new mod">
+        <pc:chgData name="Liang, Jun/梁 俊" userId="53872e13-a468-4a20-9bc0-648e2bd0e637" providerId="ADAL" clId="{3677334B-03BA-4F4E-8E78-CE3B3D8004E6}" dt="2025-01-11T14:47:09.899" v="7320" actId="20577"/>
+        <pc:sldMkLst>
+          <pc:docMk/>
+          <pc:sldMk cId="4203511666" sldId="493"/>
+        </pc:sldMkLst>
+      </pc:sldChg>
+      <pc:sldChg chg="addSp delSp modSp new mod">
+        <pc:chgData name="Liang, Jun/梁 俊" userId="53872e13-a468-4a20-9bc0-648e2bd0e637" providerId="ADAL" clId="{3677334B-03BA-4F4E-8E78-CE3B3D8004E6}" dt="2025-01-11T15:33:20.642" v="7919" actId="14100"/>
+        <pc:sldMkLst>
+          <pc:docMk/>
+          <pc:sldMk cId="1412716372" sldId="494"/>
+        </pc:sldMkLst>
+      </pc:sldChg>
+      <pc:sldChg chg="addSp delSp modSp new mod">
+        <pc:chgData name="Liang, Jun/梁 俊" userId="53872e13-a468-4a20-9bc0-648e2bd0e637" providerId="ADAL" clId="{3677334B-03BA-4F4E-8E78-CE3B3D8004E6}" dt="2025-01-11T16:10:00.809" v="8288" actId="1076"/>
+        <pc:sldMkLst>
+          <pc:docMk/>
+          <pc:sldMk cId="1621136055" sldId="495"/>
+        </pc:sldMkLst>
+      </pc:sldChg>
+      <pc:sldChg chg="addSp delSp modSp new mod">
+        <pc:chgData name="Liang, Jun/梁 俊" userId="53872e13-a468-4a20-9bc0-648e2bd0e637" providerId="ADAL" clId="{3677334B-03BA-4F4E-8E78-CE3B3D8004E6}" dt="2025-01-11T15:50:48.555" v="8139" actId="20577"/>
+        <pc:sldMkLst>
+          <pc:docMk/>
+          <pc:sldMk cId="2272676056" sldId="496"/>
+        </pc:sldMkLst>
+      </pc:sldChg>
+      <pc:sldChg chg="modSp new mod">
+        <pc:chgData name="Liang, Jun/梁 俊" userId="53872e13-a468-4a20-9bc0-648e2bd0e637" providerId="ADAL" clId="{3677334B-03BA-4F4E-8E78-CE3B3D8004E6}" dt="2025-01-11T16:16:50.594" v="8664" actId="20577"/>
+        <pc:sldMkLst>
+          <pc:docMk/>
+          <pc:sldMk cId="2003425408" sldId="497"/>
+        </pc:sldMkLst>
+      </pc:sldChg>
+      <pc:sldChg chg="addSp modSp new mod">
+        <pc:chgData name="Liang, Jun/梁 俊" userId="53872e13-a468-4a20-9bc0-648e2bd0e637" providerId="ADAL" clId="{3677334B-03BA-4F4E-8E78-CE3B3D8004E6}" dt="2025-01-11T16:40:53.765" v="9082" actId="404"/>
+        <pc:sldMkLst>
+          <pc:docMk/>
+          <pc:sldMk cId="227178984" sldId="498"/>
+        </pc:sldMkLst>
+      </pc:sldChg>
+      <pc:sldChg chg="addSp modSp add mod">
+        <pc:chgData name="Liang, Jun/梁 俊" userId="53872e13-a468-4a20-9bc0-648e2bd0e637" providerId="ADAL" clId="{3677334B-03BA-4F4E-8E78-CE3B3D8004E6}" dt="2025-01-11T16:56:17.261" v="9349" actId="1076"/>
+        <pc:sldMkLst>
+          <pc:docMk/>
+          <pc:sldMk cId="3526027575" sldId="499"/>
+        </pc:sldMkLst>
+      </pc:sldChg>
+      <pc:sldChg chg="modSp new mod">
+        <pc:chgData name="Liang, Jun/梁 俊" userId="53872e13-a468-4a20-9bc0-648e2bd0e637" providerId="ADAL" clId="{3677334B-03BA-4F4E-8E78-CE3B3D8004E6}" dt="2025-01-11T17:04:58.892" v="9506" actId="1076"/>
+        <pc:sldMkLst>
+          <pc:docMk/>
+          <pc:sldMk cId="975441694" sldId="500"/>
+        </pc:sldMkLst>
+      </pc:sldChg>
+      <pc:sldChg chg="modSp add mod ord">
+        <pc:chgData name="Liang, Jun/梁 俊" userId="53872e13-a468-4a20-9bc0-648e2bd0e637" providerId="ADAL" clId="{3677334B-03BA-4F4E-8E78-CE3B3D8004E6}" dt="2025-01-11T17:03:31.978" v="9454" actId="1076"/>
+        <pc:sldMkLst>
+          <pc:docMk/>
+          <pc:sldMk cId="1409594501" sldId="2147473021"/>
+        </pc:sldMkLst>
+      </pc:sldChg>
+      <pc:sldChg chg="modSp add mod">
+        <pc:chgData name="Liang, Jun/梁 俊" userId="53872e13-a468-4a20-9bc0-648e2bd0e637" providerId="ADAL" clId="{3677334B-03BA-4F4E-8E78-CE3B3D8004E6}" dt="2025-01-11T16:52:32.215" v="9309" actId="113"/>
+        <pc:sldMkLst>
+          <pc:docMk/>
+          <pc:sldMk cId="1914353597" sldId="2147473029"/>
+        </pc:sldMkLst>
+      </pc:sldChg>
+      <pc:sldChg chg="modSp add mod">
+        <pc:chgData name="Liang, Jun/梁 俊" userId="53872e13-a468-4a20-9bc0-648e2bd0e637" providerId="ADAL" clId="{3677334B-03BA-4F4E-8E78-CE3B3D8004E6}" dt="2025-01-11T16:57:00.316" v="9365" actId="1076"/>
+        <pc:sldMkLst>
+          <pc:docMk/>
+          <pc:sldMk cId="2836905399" sldId="2147473036"/>
+        </pc:sldMkLst>
+      </pc:sldChg>
+      <pc:sldChg chg="modSp add mod">
+        <pc:chgData name="Liang, Jun/梁 俊" userId="53872e13-a468-4a20-9bc0-648e2bd0e637" providerId="ADAL" clId="{3677334B-03BA-4F4E-8E78-CE3B3D8004E6}" dt="2025-01-11T16:56:30.555" v="9351" actId="113"/>
+        <pc:sldMkLst>
+          <pc:docMk/>
+          <pc:sldMk cId="1485945197" sldId="2147473060"/>
+        </pc:sldMkLst>
+      </pc:sldChg>
+      <pc:sldChg chg="delSp modSp add mod">
+        <pc:chgData name="Liang, Jun/梁 俊" userId="53872e13-a468-4a20-9bc0-648e2bd0e637" providerId="ADAL" clId="{3677334B-03BA-4F4E-8E78-CE3B3D8004E6}" dt="2025-01-11T16:50:52.208" v="9302" actId="478"/>
+        <pc:sldMkLst>
+          <pc:docMk/>
+          <pc:sldMk cId="2808248770" sldId="2147473094"/>
+        </pc:sldMkLst>
+      </pc:sldChg>
+      <pc:sldChg chg="modSp add del mod">
+        <pc:chgData name="Liang, Jun/梁 俊" userId="53872e13-a468-4a20-9bc0-648e2bd0e637" providerId="ADAL" clId="{3677334B-03BA-4F4E-8E78-CE3B3D8004E6}" dt="2025-01-11T16:46:48.352" v="9234" actId="1076"/>
+        <pc:sldMkLst>
+          <pc:docMk/>
+          <pc:sldMk cId="1450222597" sldId="2147473122"/>
+        </pc:sldMkLst>
+      </pc:sldChg>
+      <pc:sldChg chg="add">
+        <pc:chgData name="Liang, Jun/梁 俊" userId="53872e13-a468-4a20-9bc0-648e2bd0e637" providerId="ADAL" clId="{3677334B-03BA-4F4E-8E78-CE3B3D8004E6}" dt="2025-01-11T16:52:09.592" v="9306"/>
+        <pc:sldMkLst>
+          <pc:docMk/>
+          <pc:sldMk cId="3538857294" sldId="2147473146"/>
+        </pc:sldMkLst>
+      </pc:sldChg>
+      <pc:sldChg chg="addSp delSp modSp new mod">
+        <pc:chgData name="Liang, Jun/梁 俊" userId="53872e13-a468-4a20-9bc0-648e2bd0e637" providerId="ADAL" clId="{3677334B-03BA-4F4E-8E78-CE3B3D8004E6}" dt="2025-01-11T17:04:35.253" v="9492" actId="404"/>
+        <pc:sldMkLst>
+          <pc:docMk/>
+          <pc:sldMk cId="122242253" sldId="2147473147"/>
+        </pc:sldMkLst>
+      </pc:sldChg>
+    </pc:docChg>
+  </pc:docChgLst>
+  <pc:docChgLst>
+    <pc:chgData name="Liang, Jun/梁 俊" userId="53872e13-a468-4a20-9bc0-648e2bd0e637" providerId="ADAL" clId="{8069CFF1-8E7B-4F31-9AC1-44EC19790E2A}"/>
+    <pc:docChg chg="undo custSel addSld modSld">
+      <pc:chgData name="Liang, Jun/梁 俊" userId="53872e13-a468-4a20-9bc0-648e2bd0e637" providerId="ADAL" clId="{8069CFF1-8E7B-4F31-9AC1-44EC19790E2A}" dt="2024-11-08T07:00:27.735" v="160"/>
+      <pc:docMkLst>
+        <pc:docMk/>
+      </pc:docMkLst>
+      <pc:sldChg chg="new">
+        <pc:chgData name="Liang, Jun/梁 俊" userId="53872e13-a468-4a20-9bc0-648e2bd0e637" providerId="ADAL" clId="{8069CFF1-8E7B-4F31-9AC1-44EC19790E2A}" dt="2024-11-08T06:36:43.769" v="0" actId="680"/>
+        <pc:sldMkLst>
+          <pc:docMk/>
+          <pc:sldMk cId="3156693268" sldId="256"/>
+        </pc:sldMkLst>
+      </pc:sldChg>
+      <pc:sldChg chg="modSp new mod">
+        <pc:chgData name="Liang, Jun/梁 俊" userId="53872e13-a468-4a20-9bc0-648e2bd0e637" providerId="ADAL" clId="{8069CFF1-8E7B-4F31-9AC1-44EC19790E2A}" dt="2024-11-08T06:44:30.443" v="101"/>
+        <pc:sldMkLst>
+          <pc:docMk/>
+          <pc:sldMk cId="237995527" sldId="257"/>
+        </pc:sldMkLst>
+      </pc:sldChg>
+      <pc:sldChg chg="modSp new mod">
+        <pc:chgData name="Liang, Jun/梁 俊" userId="53872e13-a468-4a20-9bc0-648e2bd0e637" providerId="ADAL" clId="{8069CFF1-8E7B-4F31-9AC1-44EC19790E2A}" dt="2024-11-08T06:37:00.059" v="9" actId="20577"/>
+        <pc:sldMkLst>
+          <pc:docMk/>
+          <pc:sldMk cId="1392523530" sldId="258"/>
+        </pc:sldMkLst>
+      </pc:sldChg>
+      <pc:sldChg chg="modSp new mod">
+        <pc:chgData name="Liang, Jun/梁 俊" userId="53872e13-a468-4a20-9bc0-648e2bd0e637" providerId="ADAL" clId="{8069CFF1-8E7B-4F31-9AC1-44EC19790E2A}" dt="2024-11-08T06:47:35.382" v="138"/>
+        <pc:sldMkLst>
+          <pc:docMk/>
+          <pc:sldMk cId="3520147346" sldId="259"/>
+        </pc:sldMkLst>
+      </pc:sldChg>
+      <pc:sldChg chg="modSp new mod">
+        <pc:chgData name="Liang, Jun/梁 俊" userId="53872e13-a468-4a20-9bc0-648e2bd0e637" providerId="ADAL" clId="{8069CFF1-8E7B-4F31-9AC1-44EC19790E2A}" dt="2024-11-08T07:00:27.735" v="160"/>
+        <pc:sldMkLst>
+          <pc:docMk/>
+          <pc:sldMk cId="4036844314" sldId="260"/>
+        </pc:sldMkLst>
+      </pc:sldChg>
+    </pc:docChg>
+  </pc:docChgLst>
 </pc:chgInfo>
 </file>
 
@@ -1455,7 +1455,7 @@
           <a:p>
             <a:fld id="{0DDD35C3-FDA7-4782-83C8-6E99F1C6D481}" type="datetimeFigureOut">
               <a:rPr kumimoji="1" lang="ja-JP" altLang="en-US" smtClean="0"/>
-              <a:t>2025/10/9</a:t>
+              <a:t>2025/11/12</a:t>
             </a:fld>
             <a:endParaRPr kumimoji="1" lang="ja-JP" altLang="en-US"/>
           </a:p>
@@ -2408,7 +2408,7 @@
           <a:p>
             <a:fld id="{0C951353-040E-4873-A6AB-5A3125AC1941}" type="datetimeFigureOut">
               <a:rPr kumimoji="1" lang="ja-JP" altLang="en-US" smtClean="0"/>
-              <a:t>2025/10/9</a:t>
+              <a:t>2025/11/12</a:t>
             </a:fld>
             <a:endParaRPr kumimoji="1" lang="ja-JP" altLang="en-US"/>
           </a:p>
@@ -2746,7 +2746,7 @@
           <a:p>
             <a:fld id="{0C951353-040E-4873-A6AB-5A3125AC1941}" type="datetimeFigureOut">
               <a:rPr kumimoji="1" lang="ja-JP" altLang="en-US" smtClean="0"/>
-              <a:t>2025/10/9</a:t>
+              <a:t>2025/11/12</a:t>
             </a:fld>
             <a:endParaRPr kumimoji="1" lang="ja-JP" altLang="en-US"/>
           </a:p>
@@ -3147,7 +3147,7 @@
           <a:p>
             <a:fld id="{0C951353-040E-4873-A6AB-5A3125AC1941}" type="datetimeFigureOut">
               <a:rPr kumimoji="1" lang="ja-JP" altLang="en-US" smtClean="0"/>
-              <a:t>2025/10/9</a:t>
+              <a:t>2025/11/12</a:t>
             </a:fld>
             <a:endParaRPr kumimoji="1" lang="ja-JP" altLang="en-US"/>
           </a:p>
@@ -3483,7 +3483,7 @@
           <a:p>
             <a:fld id="{0C951353-040E-4873-A6AB-5A3125AC1941}" type="datetimeFigureOut">
               <a:rPr kumimoji="1" lang="ja-JP" altLang="en-US" smtClean="0"/>
-              <a:t>2025/10/9</a:t>
+              <a:t>2025/11/12</a:t>
             </a:fld>
             <a:endParaRPr kumimoji="1" lang="ja-JP" altLang="en-US"/>
           </a:p>
@@ -3803,7 +3803,7 @@
           <a:p>
             <a:fld id="{0C951353-040E-4873-A6AB-5A3125AC1941}" type="datetimeFigureOut">
               <a:rPr kumimoji="1" lang="ja-JP" altLang="en-US" smtClean="0"/>
-              <a:t>2025/10/9</a:t>
+              <a:t>2025/11/12</a:t>
             </a:fld>
             <a:endParaRPr kumimoji="1" lang="ja-JP" altLang="en-US"/>
           </a:p>
@@ -4199,7 +4199,7 @@
           <a:p>
             <a:fld id="{0C951353-040E-4873-A6AB-5A3125AC1941}" type="datetimeFigureOut">
               <a:rPr kumimoji="1" lang="ja-JP" altLang="en-US" smtClean="0"/>
-              <a:t>2025/10/9</a:t>
+              <a:t>2025/11/12</a:t>
             </a:fld>
             <a:endParaRPr kumimoji="1" lang="ja-JP" altLang="en-US"/>
           </a:p>
@@ -4488,7 +4488,7 @@
           <a:p>
             <a:fld id="{0C951353-040E-4873-A6AB-5A3125AC1941}" type="datetimeFigureOut">
               <a:rPr kumimoji="1" lang="ja-JP" altLang="en-US" smtClean="0"/>
-              <a:t>2025/10/9</a:t>
+              <a:t>2025/11/12</a:t>
             </a:fld>
             <a:endParaRPr kumimoji="1" lang="ja-JP" altLang="en-US"/>
           </a:p>
@@ -4782,7 +4782,7 @@
           <a:p>
             <a:fld id="{0C951353-040E-4873-A6AB-5A3125AC1941}" type="datetimeFigureOut">
               <a:rPr kumimoji="1" lang="ja-JP" altLang="en-US" smtClean="0"/>
-              <a:t>2025/10/9</a:t>
+              <a:t>2025/11/12</a:t>
             </a:fld>
             <a:endParaRPr kumimoji="1" lang="ja-JP" altLang="en-US"/>
           </a:p>
@@ -5076,7 +5076,7 @@
           <a:p>
             <a:fld id="{0C951353-040E-4873-A6AB-5A3125AC1941}" type="datetimeFigureOut">
               <a:rPr kumimoji="1" lang="ja-JP" altLang="en-US" smtClean="0"/>
-              <a:t>2025/10/9</a:t>
+              <a:t>2025/11/12</a:t>
             </a:fld>
             <a:endParaRPr kumimoji="1" lang="ja-JP" altLang="en-US"/>
           </a:p>
@@ -5405,7 +5405,7 @@
           <a:p>
             <a:fld id="{0C951353-040E-4873-A6AB-5A3125AC1941}" type="datetimeFigureOut">
               <a:rPr kumimoji="1" lang="ja-JP" altLang="en-US" smtClean="0"/>
-              <a:t>2025/10/9</a:t>
+              <a:t>2025/11/12</a:t>
             </a:fld>
             <a:endParaRPr kumimoji="1" lang="ja-JP" altLang="en-US"/>
           </a:p>
@@ -5792,7 +5792,7 @@
           <a:p>
             <a:fld id="{0C951353-040E-4873-A6AB-5A3125AC1941}" type="datetimeFigureOut">
               <a:rPr kumimoji="1" lang="ja-JP" altLang="en-US" smtClean="0"/>
-              <a:t>2025/10/9</a:t>
+              <a:t>2025/11/12</a:t>
             </a:fld>
             <a:endParaRPr kumimoji="1" lang="ja-JP" altLang="en-US"/>
           </a:p>
@@ -6313,7 +6313,7 @@
           <a:p>
             <a:fld id="{0C951353-040E-4873-A6AB-5A3125AC1941}" type="datetimeFigureOut">
               <a:rPr kumimoji="1" lang="ja-JP" altLang="en-US" smtClean="0"/>
-              <a:t>2025/10/9</a:t>
+              <a:t>2025/11/12</a:t>
             </a:fld>
             <a:endParaRPr kumimoji="1" lang="ja-JP" altLang="en-US"/>
           </a:p>
@@ -6518,7 +6518,7 @@
           <a:p>
             <a:fld id="{0C951353-040E-4873-A6AB-5A3125AC1941}" type="datetimeFigureOut">
               <a:rPr kumimoji="1" lang="ja-JP" altLang="en-US" smtClean="0"/>
-              <a:t>2025/10/9</a:t>
+              <a:t>2025/11/12</a:t>
             </a:fld>
             <a:endParaRPr kumimoji="1" lang="ja-JP" altLang="en-US"/>
           </a:p>
@@ -6695,7 +6695,7 @@
           <a:p>
             <a:fld id="{0C951353-040E-4873-A6AB-5A3125AC1941}" type="datetimeFigureOut">
               <a:rPr kumimoji="1" lang="ja-JP" altLang="en-US" smtClean="0"/>
-              <a:t>2025/10/9</a:t>
+              <a:t>2025/11/12</a:t>
             </a:fld>
             <a:endParaRPr kumimoji="1" lang="ja-JP" altLang="en-US"/>
           </a:p>
@@ -7060,7 +7060,7 @@
           <a:p>
             <a:fld id="{0C951353-040E-4873-A6AB-5A3125AC1941}" type="datetimeFigureOut">
               <a:rPr kumimoji="1" lang="ja-JP" altLang="en-US" smtClean="0"/>
-              <a:t>2025/10/9</a:t>
+              <a:t>2025/11/12</a:t>
             </a:fld>
             <a:endParaRPr kumimoji="1" lang="ja-JP" altLang="en-US"/>
           </a:p>
@@ -7405,7 +7405,7 @@
           <a:p>
             <a:fld id="{0C951353-040E-4873-A6AB-5A3125AC1941}" type="datetimeFigureOut">
               <a:rPr kumimoji="1" lang="ja-JP" altLang="en-US" smtClean="0"/>
-              <a:t>2025/10/9</a:t>
+              <a:t>2025/11/12</a:t>
             </a:fld>
             <a:endParaRPr kumimoji="1" lang="ja-JP" altLang="en-US"/>
           </a:p>
@@ -9554,7 +9554,7 @@
           <a:p>
             <a:fld id="{0C951353-040E-4873-A6AB-5A3125AC1941}" type="datetimeFigureOut">
               <a:rPr kumimoji="1" lang="ja-JP" altLang="en-US" smtClean="0"/>
-              <a:t>2025/10/9</a:t>
+              <a:t>2025/11/12</a:t>
             </a:fld>
             <a:endParaRPr kumimoji="1" lang="ja-JP" altLang="en-US"/>
           </a:p>

--- a/2025_slides/AI_for_recruitment_companies_Ja_v3.pptx
+++ b/2025_slides/AI_for_recruitment_companies_Ja_v3.pptx
@@ -10157,7 +10157,7 @@
                 <a:latin typeface="+mn-ea"/>
                 <a:hlinkClick r:id="rId2"/>
               </a:rPr>
-              <a:t>Moonlightsbreath</a:t>
+              <a:t>moonlightsbreath</a:t>
             </a:r>
             <a:endParaRPr lang="en-US" altLang="ja-JP" sz="2000" dirty="0">
               <a:latin typeface="+mn-ea"/>

--- a/2025_slides/AI_for_recruitment_companies_Ja_v3.pptx
+++ b/2025_slides/AI_for_recruitment_companies_Ja_v3.pptx
@@ -1455,7 +1455,7 @@
           <a:p>
             <a:fld id="{0DDD35C3-FDA7-4782-83C8-6E99F1C6D481}" type="datetimeFigureOut">
               <a:rPr kumimoji="1" lang="ja-JP" altLang="en-US" smtClean="0"/>
-              <a:t>2025/11/13</a:t>
+              <a:t>2025/11/20</a:t>
             </a:fld>
             <a:endParaRPr kumimoji="1" lang="ja-JP" altLang="en-US"/>
           </a:p>
@@ -2408,7 +2408,7 @@
           <a:p>
             <a:fld id="{0C951353-040E-4873-A6AB-5A3125AC1941}" type="datetimeFigureOut">
               <a:rPr kumimoji="1" lang="ja-JP" altLang="en-US" smtClean="0"/>
-              <a:t>2025/11/13</a:t>
+              <a:t>2025/11/20</a:t>
             </a:fld>
             <a:endParaRPr kumimoji="1" lang="ja-JP" altLang="en-US"/>
           </a:p>
@@ -2746,7 +2746,7 @@
           <a:p>
             <a:fld id="{0C951353-040E-4873-A6AB-5A3125AC1941}" type="datetimeFigureOut">
               <a:rPr kumimoji="1" lang="ja-JP" altLang="en-US" smtClean="0"/>
-              <a:t>2025/11/13</a:t>
+              <a:t>2025/11/20</a:t>
             </a:fld>
             <a:endParaRPr kumimoji="1" lang="ja-JP" altLang="en-US"/>
           </a:p>
@@ -3147,7 +3147,7 @@
           <a:p>
             <a:fld id="{0C951353-040E-4873-A6AB-5A3125AC1941}" type="datetimeFigureOut">
               <a:rPr kumimoji="1" lang="ja-JP" altLang="en-US" smtClean="0"/>
-              <a:t>2025/11/13</a:t>
+              <a:t>2025/11/20</a:t>
             </a:fld>
             <a:endParaRPr kumimoji="1" lang="ja-JP" altLang="en-US"/>
           </a:p>
@@ -3483,7 +3483,7 @@
           <a:p>
             <a:fld id="{0C951353-040E-4873-A6AB-5A3125AC1941}" type="datetimeFigureOut">
               <a:rPr kumimoji="1" lang="ja-JP" altLang="en-US" smtClean="0"/>
-              <a:t>2025/11/13</a:t>
+              <a:t>2025/11/20</a:t>
             </a:fld>
             <a:endParaRPr kumimoji="1" lang="ja-JP" altLang="en-US"/>
           </a:p>
@@ -3803,7 +3803,7 @@
           <a:p>
             <a:fld id="{0C951353-040E-4873-A6AB-5A3125AC1941}" type="datetimeFigureOut">
               <a:rPr kumimoji="1" lang="ja-JP" altLang="en-US" smtClean="0"/>
-              <a:t>2025/11/13</a:t>
+              <a:t>2025/11/20</a:t>
             </a:fld>
             <a:endParaRPr kumimoji="1" lang="ja-JP" altLang="en-US"/>
           </a:p>
@@ -4199,7 +4199,7 @@
           <a:p>
             <a:fld id="{0C951353-040E-4873-A6AB-5A3125AC1941}" type="datetimeFigureOut">
               <a:rPr kumimoji="1" lang="ja-JP" altLang="en-US" smtClean="0"/>
-              <a:t>2025/11/13</a:t>
+              <a:t>2025/11/20</a:t>
             </a:fld>
             <a:endParaRPr kumimoji="1" lang="ja-JP" altLang="en-US"/>
           </a:p>
@@ -4488,7 +4488,7 @@
           <a:p>
             <a:fld id="{0C951353-040E-4873-A6AB-5A3125AC1941}" type="datetimeFigureOut">
               <a:rPr kumimoji="1" lang="ja-JP" altLang="en-US" smtClean="0"/>
-              <a:t>2025/11/13</a:t>
+              <a:t>2025/11/20</a:t>
             </a:fld>
             <a:endParaRPr kumimoji="1" lang="ja-JP" altLang="en-US"/>
           </a:p>
@@ -4782,7 +4782,7 @@
           <a:p>
             <a:fld id="{0C951353-040E-4873-A6AB-5A3125AC1941}" type="datetimeFigureOut">
               <a:rPr kumimoji="1" lang="ja-JP" altLang="en-US" smtClean="0"/>
-              <a:t>2025/11/13</a:t>
+              <a:t>2025/11/20</a:t>
             </a:fld>
             <a:endParaRPr kumimoji="1" lang="ja-JP" altLang="en-US"/>
           </a:p>
@@ -5076,7 +5076,7 @@
           <a:p>
             <a:fld id="{0C951353-040E-4873-A6AB-5A3125AC1941}" type="datetimeFigureOut">
               <a:rPr kumimoji="1" lang="ja-JP" altLang="en-US" smtClean="0"/>
-              <a:t>2025/11/13</a:t>
+              <a:t>2025/11/20</a:t>
             </a:fld>
             <a:endParaRPr kumimoji="1" lang="ja-JP" altLang="en-US"/>
           </a:p>
@@ -5405,7 +5405,7 @@
           <a:p>
             <a:fld id="{0C951353-040E-4873-A6AB-5A3125AC1941}" type="datetimeFigureOut">
               <a:rPr kumimoji="1" lang="ja-JP" altLang="en-US" smtClean="0"/>
-              <a:t>2025/11/13</a:t>
+              <a:t>2025/11/20</a:t>
             </a:fld>
             <a:endParaRPr kumimoji="1" lang="ja-JP" altLang="en-US"/>
           </a:p>
@@ -5792,7 +5792,7 @@
           <a:p>
             <a:fld id="{0C951353-040E-4873-A6AB-5A3125AC1941}" type="datetimeFigureOut">
               <a:rPr kumimoji="1" lang="ja-JP" altLang="en-US" smtClean="0"/>
-              <a:t>2025/11/13</a:t>
+              <a:t>2025/11/20</a:t>
             </a:fld>
             <a:endParaRPr kumimoji="1" lang="ja-JP" altLang="en-US"/>
           </a:p>
@@ -6313,7 +6313,7 @@
           <a:p>
             <a:fld id="{0C951353-040E-4873-A6AB-5A3125AC1941}" type="datetimeFigureOut">
               <a:rPr kumimoji="1" lang="ja-JP" altLang="en-US" smtClean="0"/>
-              <a:t>2025/11/13</a:t>
+              <a:t>2025/11/20</a:t>
             </a:fld>
             <a:endParaRPr kumimoji="1" lang="ja-JP" altLang="en-US"/>
           </a:p>
@@ -6518,7 +6518,7 @@
           <a:p>
             <a:fld id="{0C951353-040E-4873-A6AB-5A3125AC1941}" type="datetimeFigureOut">
               <a:rPr kumimoji="1" lang="ja-JP" altLang="en-US" smtClean="0"/>
-              <a:t>2025/11/13</a:t>
+              <a:t>2025/11/20</a:t>
             </a:fld>
             <a:endParaRPr kumimoji="1" lang="ja-JP" altLang="en-US"/>
           </a:p>
@@ -6695,7 +6695,7 @@
           <a:p>
             <a:fld id="{0C951353-040E-4873-A6AB-5A3125AC1941}" type="datetimeFigureOut">
               <a:rPr kumimoji="1" lang="ja-JP" altLang="en-US" smtClean="0"/>
-              <a:t>2025/11/13</a:t>
+              <a:t>2025/11/20</a:t>
             </a:fld>
             <a:endParaRPr kumimoji="1" lang="ja-JP" altLang="en-US"/>
           </a:p>
@@ -7060,7 +7060,7 @@
           <a:p>
             <a:fld id="{0C951353-040E-4873-A6AB-5A3125AC1941}" type="datetimeFigureOut">
               <a:rPr kumimoji="1" lang="ja-JP" altLang="en-US" smtClean="0"/>
-              <a:t>2025/11/13</a:t>
+              <a:t>2025/11/20</a:t>
             </a:fld>
             <a:endParaRPr kumimoji="1" lang="ja-JP" altLang="en-US"/>
           </a:p>
@@ -7405,7 +7405,7 @@
           <a:p>
             <a:fld id="{0C951353-040E-4873-A6AB-5A3125AC1941}" type="datetimeFigureOut">
               <a:rPr kumimoji="1" lang="ja-JP" altLang="en-US" smtClean="0"/>
-              <a:t>2025/11/13</a:t>
+              <a:t>2025/11/20</a:t>
             </a:fld>
             <a:endParaRPr kumimoji="1" lang="ja-JP" altLang="en-US"/>
           </a:p>
@@ -9554,7 +9554,7 @@
           <a:p>
             <a:fld id="{0C951353-040E-4873-A6AB-5A3125AC1941}" type="datetimeFigureOut">
               <a:rPr kumimoji="1" lang="ja-JP" altLang="en-US" smtClean="0"/>
-              <a:t>2025/11/13</a:t>
+              <a:t>2025/11/20</a:t>
             </a:fld>
             <a:endParaRPr kumimoji="1" lang="ja-JP" altLang="en-US"/>
           </a:p>
@@ -10142,22 +10142,22 @@
         </p:nvSpPr>
         <p:spPr>
           <a:xfrm>
-            <a:off x="5388909" y="3843758"/>
+            <a:off x="5885024" y="3770031"/>
             <a:ext cx="1701052" cy="432407"/>
           </a:xfrm>
         </p:spPr>
         <p:txBody>
           <a:bodyPr>
-            <a:normAutofit fontScale="70000" lnSpcReduction="20000"/>
+            <a:normAutofit/>
           </a:bodyPr>
           <a:lstStyle/>
           <a:p>
             <a:r>
-              <a:rPr kumimoji="1" lang="en-US" altLang="ja-JP" sz="2000" dirty="0" err="1">
+              <a:rPr kumimoji="1" lang="en-US" altLang="ja-JP" sz="2000" dirty="0">
                 <a:latin typeface="+mn-ea"/>
                 <a:hlinkClick r:id="rId2"/>
               </a:rPr>
-              <a:t>moonlightsbreath</a:t>
+              <a:t>JudyL</a:t>
             </a:r>
             <a:endParaRPr lang="en-US" altLang="ja-JP" sz="2000" dirty="0">
               <a:latin typeface="+mn-ea"/>
@@ -10179,7 +10179,7 @@
         </p:nvSpPr>
         <p:spPr>
           <a:xfrm>
-            <a:off x="5466229" y="4202438"/>
+            <a:off x="5591533" y="4202438"/>
             <a:ext cx="1546411" cy="369332"/>
           </a:xfrm>
           <a:prstGeom prst="rect">
